--- a/studyPlanner.pptx
+++ b/studyPlanner.pptx
@@ -5,7 +5,7 @@
     <p:sldMasterId id="2147483648" r:id="rId1"/>
   </p:sldMasterIdLst>
   <p:sldIdLst>
-    <p:sldId id="256" r:id="rId2"/>
+    <p:sldId id="257" r:id="rId2"/>
   </p:sldIdLst>
   <p:sldSz cx="12192000" cy="6858000"/>
   <p:notesSz cx="6858000" cy="9144000"/>
@@ -104,6 +104,11 @@
       </a:defRPr>
     </a:lvl9pPr>
   </p:defaultTextStyle>
+  <p:extLst>
+    <p:ext uri="{EFAFB233-063F-42B5-8137-9DF3F51BA10A}">
+      <p15:sldGuideLst xmlns:p15="http://schemas.microsoft.com/office/powerpoint/2012/main"/>
+    </p:ext>
+  </p:extLst>
 </p:presentation>
 </file>
 
@@ -3323,58 +3328,85 @@
       </p:grpSpPr>
       <p:sp>
         <p:nvSpPr>
-          <p:cNvPr id="2" name="제목 1">
-            <a:extLst>
-              <a:ext uri="{FF2B5EF4-FFF2-40B4-BE49-F238E27FC236}">
-                <a16:creationId xmlns:a16="http://schemas.microsoft.com/office/drawing/2014/main" id="{590D6496-F07E-462F-8934-E60607BFAE74}"/>
-              </a:ext>
-            </a:extLst>
-          </p:cNvPr>
-          <p:cNvSpPr>
-            <a:spLocks noGrp="1"/>
-          </p:cNvSpPr>
-          <p:nvPr>
-            <p:ph type="ctrTitle"/>
-          </p:nvPr>
-        </p:nvSpPr>
-        <p:spPr/>
-        <p:txBody>
-          <a:bodyPr/>
-          <a:lstStyle/>
-          <a:p>
-            <a:endParaRPr lang="ko-KR" altLang="en-US"/>
-          </a:p>
-        </p:txBody>
-      </p:sp>
-      <p:sp>
-        <p:nvSpPr>
-          <p:cNvPr id="3" name="부제목 2">
-            <a:extLst>
-              <a:ext uri="{FF2B5EF4-FFF2-40B4-BE49-F238E27FC236}">
-                <a16:creationId xmlns:a16="http://schemas.microsoft.com/office/drawing/2014/main" id="{D99FB37F-2E80-4433-BC28-84B382C4D066}"/>
-              </a:ext>
-            </a:extLst>
-          </p:cNvPr>
-          <p:cNvSpPr>
-            <a:spLocks noGrp="1"/>
-          </p:cNvSpPr>
-          <p:nvPr>
-            <p:ph type="subTitle" idx="1"/>
-          </p:nvPr>
-        </p:nvSpPr>
-        <p:spPr/>
-        <p:txBody>
-          <a:bodyPr/>
-          <a:lstStyle/>
-          <a:p>
-            <a:endParaRPr lang="ko-KR" altLang="en-US"/>
+          <p:cNvPr id="3" name="TextBox 2">
+            <a:extLst>
+              <a:ext uri="{FF2B5EF4-FFF2-40B4-BE49-F238E27FC236}">
+                <a16:creationId xmlns:a16="http://schemas.microsoft.com/office/drawing/2014/main" id="{7472BF33-0FC8-4E3C-83D2-82852501BDC9}"/>
+              </a:ext>
+            </a:extLst>
+          </p:cNvPr>
+          <p:cNvSpPr txBox="1"/>
+          <p:nvPr/>
+        </p:nvSpPr>
+        <p:spPr>
+          <a:xfrm>
+            <a:off x="340659" y="727920"/>
+            <a:ext cx="8713694" cy="646331"/>
+          </a:xfrm>
+          <a:prstGeom prst="rect">
+            <a:avLst/>
+          </a:prstGeom>
+          <a:noFill/>
+        </p:spPr>
+        <p:txBody>
+          <a:bodyPr wrap="square">
+            <a:spAutoFit/>
+          </a:bodyPr>
+          <a:lstStyle/>
+          <a:p>
+            <a:r>
+              <a:rPr lang="ko-KR" altLang="en-US" dirty="0">
+                <a:hlinkClick r:id="rId2"/>
+              </a:rPr>
+              <a:t>https://m.blog.naver.com/PostView.nhn?blogId=jung_cpp&amp;logNo=221182442532&amp;categoryNo=10&amp;proxyReferer=https:%2F%2Fwww.google.com%2F</a:t>
+            </a:r>
+            <a:endParaRPr lang="en-US" altLang="ko-KR" dirty="0"/>
+          </a:p>
+        </p:txBody>
+      </p:sp>
+      <p:sp>
+        <p:nvSpPr>
+          <p:cNvPr id="4" name="TextBox 3">
+            <a:extLst>
+              <a:ext uri="{FF2B5EF4-FFF2-40B4-BE49-F238E27FC236}">
+                <a16:creationId xmlns:a16="http://schemas.microsoft.com/office/drawing/2014/main" id="{C4FF9D1F-0F01-40AC-8DA7-BB5DE038FADE}"/>
+              </a:ext>
+            </a:extLst>
+          </p:cNvPr>
+          <p:cNvSpPr txBox="1"/>
+          <p:nvPr/>
+        </p:nvSpPr>
+        <p:spPr>
+          <a:xfrm>
+            <a:off x="340659" y="358588"/>
+            <a:ext cx="8373035" cy="369332"/>
+          </a:xfrm>
+          <a:prstGeom prst="rect">
+            <a:avLst/>
+          </a:prstGeom>
+          <a:noFill/>
+        </p:spPr>
+        <p:txBody>
+          <a:bodyPr wrap="square" rtlCol="0">
+            <a:spAutoFit/>
+          </a:bodyPr>
+          <a:lstStyle/>
+          <a:p>
+            <a:r>
+              <a:rPr lang="en-US" altLang="ko-KR" b="1" dirty="0"/>
+              <a:t>1.SVN-Git</a:t>
+            </a:r>
+            <a:r>
+              <a:rPr lang="ko-KR" altLang="en-US" b="1" dirty="0"/>
+              <a:t>연동</a:t>
+            </a:r>
           </a:p>
         </p:txBody>
       </p:sp>
     </p:spTree>
     <p:extLst>
       <p:ext uri="{BB962C8B-B14F-4D97-AF65-F5344CB8AC3E}">
-        <p14:creationId xmlns:p14="http://schemas.microsoft.com/office/powerpoint/2010/main" val="2372270831"/>
+        <p14:creationId xmlns:p14="http://schemas.microsoft.com/office/powerpoint/2010/main" val="774140456"/>
       </p:ext>
     </p:extLst>
   </p:cSld>

--- a/studyPlanner.pptx
+++ b/studyPlanner.pptx
@@ -3403,6 +3403,95 @@
           </a:p>
         </p:txBody>
       </p:sp>
+      <p:sp>
+        <p:nvSpPr>
+          <p:cNvPr id="5" name="TextBox 4">
+            <a:extLst>
+              <a:ext uri="{FF2B5EF4-FFF2-40B4-BE49-F238E27FC236}">
+                <a16:creationId xmlns:a16="http://schemas.microsoft.com/office/drawing/2014/main" id="{B8F8B3F5-24C2-4C1C-911E-A0A9652B5F01}"/>
+              </a:ext>
+            </a:extLst>
+          </p:cNvPr>
+          <p:cNvSpPr txBox="1"/>
+          <p:nvPr/>
+        </p:nvSpPr>
+        <p:spPr>
+          <a:xfrm>
+            <a:off x="340659" y="1848508"/>
+            <a:ext cx="8713694" cy="923330"/>
+          </a:xfrm>
+          <a:prstGeom prst="rect">
+            <a:avLst/>
+          </a:prstGeom>
+          <a:noFill/>
+        </p:spPr>
+        <p:txBody>
+          <a:bodyPr wrap="square">
+            <a:spAutoFit/>
+          </a:bodyPr>
+          <a:lstStyle/>
+          <a:p>
+            <a:r>
+              <a:rPr lang="en-US" altLang="ko-KR" dirty="0">
+                <a:hlinkClick r:id="rId3"/>
+              </a:rPr>
+              <a:t>http://blog.wishket.com/%ED%94%84%EB%A1%A0%ED%8A%B8%EC%97%94%EB%93%9C-vs-%EB%B0%B1%EC%97%94%EB%93%9C-%EA%B0%9C%EB%85%90%EA%B3%BC-%EC%B0%A8%EC%9D%B4%EC%A0%90/</a:t>
+            </a:r>
+            <a:endParaRPr lang="en-US" altLang="ko-KR" dirty="0"/>
+          </a:p>
+        </p:txBody>
+      </p:sp>
+      <p:sp>
+        <p:nvSpPr>
+          <p:cNvPr id="6" name="TextBox 5">
+            <a:extLst>
+              <a:ext uri="{FF2B5EF4-FFF2-40B4-BE49-F238E27FC236}">
+                <a16:creationId xmlns:a16="http://schemas.microsoft.com/office/drawing/2014/main" id="{DAB532C0-9467-4673-881C-F528C630D667}"/>
+              </a:ext>
+            </a:extLst>
+          </p:cNvPr>
+          <p:cNvSpPr txBox="1"/>
+          <p:nvPr/>
+        </p:nvSpPr>
+        <p:spPr>
+          <a:xfrm>
+            <a:off x="340659" y="1479176"/>
+            <a:ext cx="8373035" cy="369332"/>
+          </a:xfrm>
+          <a:prstGeom prst="rect">
+            <a:avLst/>
+          </a:prstGeom>
+          <a:noFill/>
+        </p:spPr>
+        <p:txBody>
+          <a:bodyPr wrap="square" rtlCol="0">
+            <a:spAutoFit/>
+          </a:bodyPr>
+          <a:lstStyle/>
+          <a:p>
+            <a:r>
+              <a:rPr lang="en-US" altLang="ko-KR" b="1" dirty="0"/>
+              <a:t>2.</a:t>
+            </a:r>
+            <a:r>
+              <a:rPr lang="ko-KR" altLang="en-US" b="1" dirty="0" err="1"/>
+              <a:t>프론트엔드</a:t>
+            </a:r>
+            <a:r>
+              <a:rPr lang="en-US" altLang="ko-KR" b="1" dirty="0"/>
+              <a:t>-</a:t>
+            </a:r>
+            <a:r>
+              <a:rPr lang="ko-KR" altLang="en-US" b="1" dirty="0" err="1"/>
+              <a:t>백엔드</a:t>
+            </a:r>
+            <a:r>
+              <a:rPr lang="ko-KR" altLang="en-US" b="1" dirty="0"/>
+              <a:t> 이해</a:t>
+            </a:r>
+          </a:p>
+        </p:txBody>
+      </p:sp>
     </p:spTree>
     <p:extLst>
       <p:ext uri="{BB962C8B-B14F-4D97-AF65-F5344CB8AC3E}">

--- a/studyPlanner.pptx
+++ b/studyPlanner.pptx
@@ -259,7 +259,7 @@
           <a:p>
             <a:fld id="{524860CF-4B10-4A83-B232-3237D9822D5C}" type="datetimeFigureOut">
               <a:rPr lang="ko-KR" altLang="en-US" smtClean="0"/>
-              <a:t>2021-01-19</a:t>
+              <a:t>2021-01-21</a:t>
             </a:fld>
             <a:endParaRPr lang="ko-KR" altLang="en-US"/>
           </a:p>
@@ -457,7 +457,7 @@
           <a:p>
             <a:fld id="{524860CF-4B10-4A83-B232-3237D9822D5C}" type="datetimeFigureOut">
               <a:rPr lang="ko-KR" altLang="en-US" smtClean="0"/>
-              <a:t>2021-01-19</a:t>
+              <a:t>2021-01-21</a:t>
             </a:fld>
             <a:endParaRPr lang="ko-KR" altLang="en-US"/>
           </a:p>
@@ -665,7 +665,7 @@
           <a:p>
             <a:fld id="{524860CF-4B10-4A83-B232-3237D9822D5C}" type="datetimeFigureOut">
               <a:rPr lang="ko-KR" altLang="en-US" smtClean="0"/>
-              <a:t>2021-01-19</a:t>
+              <a:t>2021-01-21</a:t>
             </a:fld>
             <a:endParaRPr lang="ko-KR" altLang="en-US"/>
           </a:p>
@@ -863,7 +863,7 @@
           <a:p>
             <a:fld id="{524860CF-4B10-4A83-B232-3237D9822D5C}" type="datetimeFigureOut">
               <a:rPr lang="ko-KR" altLang="en-US" smtClean="0"/>
-              <a:t>2021-01-19</a:t>
+              <a:t>2021-01-21</a:t>
             </a:fld>
             <a:endParaRPr lang="ko-KR" altLang="en-US"/>
           </a:p>
@@ -1138,7 +1138,7 @@
           <a:p>
             <a:fld id="{524860CF-4B10-4A83-B232-3237D9822D5C}" type="datetimeFigureOut">
               <a:rPr lang="ko-KR" altLang="en-US" smtClean="0"/>
-              <a:t>2021-01-19</a:t>
+              <a:t>2021-01-21</a:t>
             </a:fld>
             <a:endParaRPr lang="ko-KR" altLang="en-US"/>
           </a:p>
@@ -1403,7 +1403,7 @@
           <a:p>
             <a:fld id="{524860CF-4B10-4A83-B232-3237D9822D5C}" type="datetimeFigureOut">
               <a:rPr lang="ko-KR" altLang="en-US" smtClean="0"/>
-              <a:t>2021-01-19</a:t>
+              <a:t>2021-01-21</a:t>
             </a:fld>
             <a:endParaRPr lang="ko-KR" altLang="en-US"/>
           </a:p>
@@ -1815,7 +1815,7 @@
           <a:p>
             <a:fld id="{524860CF-4B10-4A83-B232-3237D9822D5C}" type="datetimeFigureOut">
               <a:rPr lang="ko-KR" altLang="en-US" smtClean="0"/>
-              <a:t>2021-01-19</a:t>
+              <a:t>2021-01-21</a:t>
             </a:fld>
             <a:endParaRPr lang="ko-KR" altLang="en-US"/>
           </a:p>
@@ -1956,7 +1956,7 @@
           <a:p>
             <a:fld id="{524860CF-4B10-4A83-B232-3237D9822D5C}" type="datetimeFigureOut">
               <a:rPr lang="ko-KR" altLang="en-US" smtClean="0"/>
-              <a:t>2021-01-19</a:t>
+              <a:t>2021-01-21</a:t>
             </a:fld>
             <a:endParaRPr lang="ko-KR" altLang="en-US"/>
           </a:p>
@@ -2069,7 +2069,7 @@
           <a:p>
             <a:fld id="{524860CF-4B10-4A83-B232-3237D9822D5C}" type="datetimeFigureOut">
               <a:rPr lang="ko-KR" altLang="en-US" smtClean="0"/>
-              <a:t>2021-01-19</a:t>
+              <a:t>2021-01-21</a:t>
             </a:fld>
             <a:endParaRPr lang="ko-KR" altLang="en-US"/>
           </a:p>
@@ -2380,7 +2380,7 @@
           <a:p>
             <a:fld id="{524860CF-4B10-4A83-B232-3237D9822D5C}" type="datetimeFigureOut">
               <a:rPr lang="ko-KR" altLang="en-US" smtClean="0"/>
-              <a:t>2021-01-19</a:t>
+              <a:t>2021-01-21</a:t>
             </a:fld>
             <a:endParaRPr lang="ko-KR" altLang="en-US"/>
           </a:p>
@@ -2668,7 +2668,7 @@
           <a:p>
             <a:fld id="{524860CF-4B10-4A83-B232-3237D9822D5C}" type="datetimeFigureOut">
               <a:rPr lang="ko-KR" altLang="en-US" smtClean="0"/>
-              <a:t>2021-01-19</a:t>
+              <a:t>2021-01-21</a:t>
             </a:fld>
             <a:endParaRPr lang="ko-KR" altLang="en-US"/>
           </a:p>
@@ -2909,7 +2909,7 @@
           <a:p>
             <a:fld id="{524860CF-4B10-4A83-B232-3237D9822D5C}" type="datetimeFigureOut">
               <a:rPr lang="ko-KR" altLang="en-US" smtClean="0"/>
-              <a:t>2021-01-19</a:t>
+              <a:t>2021-01-21</a:t>
             </a:fld>
             <a:endParaRPr lang="ko-KR" altLang="en-US"/>
           </a:p>
@@ -3492,6 +3492,85 @@
           </a:p>
         </p:txBody>
       </p:sp>
+      <p:sp>
+        <p:nvSpPr>
+          <p:cNvPr id="7" name="TextBox 6">
+            <a:extLst>
+              <a:ext uri="{FF2B5EF4-FFF2-40B4-BE49-F238E27FC236}">
+                <a16:creationId xmlns:a16="http://schemas.microsoft.com/office/drawing/2014/main" id="{170081CD-AF58-4BE7-B022-5017558C1C35}"/>
+              </a:ext>
+            </a:extLst>
+          </p:cNvPr>
+          <p:cNvSpPr txBox="1"/>
+          <p:nvPr/>
+        </p:nvSpPr>
+        <p:spPr>
+          <a:xfrm>
+            <a:off x="434109" y="2771838"/>
+            <a:ext cx="6096000" cy="369332"/>
+          </a:xfrm>
+          <a:prstGeom prst="rect">
+            <a:avLst/>
+          </a:prstGeom>
+          <a:noFill/>
+        </p:spPr>
+        <p:txBody>
+          <a:bodyPr wrap="square">
+            <a:spAutoFit/>
+          </a:bodyPr>
+          <a:lstStyle/>
+          <a:p>
+            <a:r>
+              <a:rPr lang="ko-KR" altLang="en-US" dirty="0">
+                <a:hlinkClick r:id="rId4"/>
+              </a:rPr>
+              <a:t>https://www.timetodev.co.kr/blog/156</a:t>
+            </a:r>
+            <a:endParaRPr lang="en-US" altLang="ko-KR" dirty="0"/>
+          </a:p>
+        </p:txBody>
+      </p:sp>
+      <p:sp>
+        <p:nvSpPr>
+          <p:cNvPr id="9" name="TextBox 8">
+            <a:extLst>
+              <a:ext uri="{FF2B5EF4-FFF2-40B4-BE49-F238E27FC236}">
+                <a16:creationId xmlns:a16="http://schemas.microsoft.com/office/drawing/2014/main" id="{7C1BBF6A-2262-4668-BAAF-DAAAABFB878F}"/>
+              </a:ext>
+            </a:extLst>
+          </p:cNvPr>
+          <p:cNvSpPr txBox="1"/>
+          <p:nvPr/>
+        </p:nvSpPr>
+        <p:spPr>
+          <a:xfrm>
+            <a:off x="434109" y="3233503"/>
+            <a:ext cx="9707418" cy="923330"/>
+          </a:xfrm>
+          <a:prstGeom prst="rect">
+            <a:avLst/>
+          </a:prstGeom>
+          <a:noFill/>
+        </p:spPr>
+        <p:txBody>
+          <a:bodyPr wrap="square">
+            <a:spAutoFit/>
+          </a:bodyPr>
+          <a:lstStyle/>
+          <a:p>
+            <a:r>
+              <a:rPr lang="ko-KR" altLang="en-US" dirty="0">
+                <a:hlinkClick r:id="rId5"/>
+              </a:rPr>
+              <a:t>https://m.blog.naver.com/PostView.nhn?blogId=k0sm0s1&amp;logNo=221211516997&amp;proxyReferer=https:%2F%2Fwww.google.com%2F</a:t>
+            </a:r>
+            <a:endParaRPr lang="en-US" altLang="ko-KR" dirty="0"/>
+          </a:p>
+          <a:p>
+            <a:endParaRPr lang="ko-KR" altLang="en-US" dirty="0"/>
+          </a:p>
+        </p:txBody>
+      </p:sp>
     </p:spTree>
     <p:extLst>
       <p:ext uri="{BB962C8B-B14F-4D97-AF65-F5344CB8AC3E}">

--- a/studyPlanner.pptx
+++ b/studyPlanner.pptx
@@ -6,6 +6,7 @@
   </p:sldMasterIdLst>
   <p:sldIdLst>
     <p:sldId id="257" r:id="rId2"/>
+    <p:sldId id="258" r:id="rId3"/>
   </p:sldIdLst>
   <p:sldSz cx="12192000" cy="6858000"/>
   <p:notesSz cx="6858000" cy="9144000"/>
@@ -259,7 +260,7 @@
           <a:p>
             <a:fld id="{524860CF-4B10-4A83-B232-3237D9822D5C}" type="datetimeFigureOut">
               <a:rPr lang="ko-KR" altLang="en-US" smtClean="0"/>
-              <a:t>2021-01-21</a:t>
+              <a:t>2021-01-22</a:t>
             </a:fld>
             <a:endParaRPr lang="ko-KR" altLang="en-US"/>
           </a:p>
@@ -457,7 +458,7 @@
           <a:p>
             <a:fld id="{524860CF-4B10-4A83-B232-3237D9822D5C}" type="datetimeFigureOut">
               <a:rPr lang="ko-KR" altLang="en-US" smtClean="0"/>
-              <a:t>2021-01-21</a:t>
+              <a:t>2021-01-22</a:t>
             </a:fld>
             <a:endParaRPr lang="ko-KR" altLang="en-US"/>
           </a:p>
@@ -665,7 +666,7 @@
           <a:p>
             <a:fld id="{524860CF-4B10-4A83-B232-3237D9822D5C}" type="datetimeFigureOut">
               <a:rPr lang="ko-KR" altLang="en-US" smtClean="0"/>
-              <a:t>2021-01-21</a:t>
+              <a:t>2021-01-22</a:t>
             </a:fld>
             <a:endParaRPr lang="ko-KR" altLang="en-US"/>
           </a:p>
@@ -863,7 +864,7 @@
           <a:p>
             <a:fld id="{524860CF-4B10-4A83-B232-3237D9822D5C}" type="datetimeFigureOut">
               <a:rPr lang="ko-KR" altLang="en-US" smtClean="0"/>
-              <a:t>2021-01-21</a:t>
+              <a:t>2021-01-22</a:t>
             </a:fld>
             <a:endParaRPr lang="ko-KR" altLang="en-US"/>
           </a:p>
@@ -1138,7 +1139,7 @@
           <a:p>
             <a:fld id="{524860CF-4B10-4A83-B232-3237D9822D5C}" type="datetimeFigureOut">
               <a:rPr lang="ko-KR" altLang="en-US" smtClean="0"/>
-              <a:t>2021-01-21</a:t>
+              <a:t>2021-01-22</a:t>
             </a:fld>
             <a:endParaRPr lang="ko-KR" altLang="en-US"/>
           </a:p>
@@ -1403,7 +1404,7 @@
           <a:p>
             <a:fld id="{524860CF-4B10-4A83-B232-3237D9822D5C}" type="datetimeFigureOut">
               <a:rPr lang="ko-KR" altLang="en-US" smtClean="0"/>
-              <a:t>2021-01-21</a:t>
+              <a:t>2021-01-22</a:t>
             </a:fld>
             <a:endParaRPr lang="ko-KR" altLang="en-US"/>
           </a:p>
@@ -1815,7 +1816,7 @@
           <a:p>
             <a:fld id="{524860CF-4B10-4A83-B232-3237D9822D5C}" type="datetimeFigureOut">
               <a:rPr lang="ko-KR" altLang="en-US" smtClean="0"/>
-              <a:t>2021-01-21</a:t>
+              <a:t>2021-01-22</a:t>
             </a:fld>
             <a:endParaRPr lang="ko-KR" altLang="en-US"/>
           </a:p>
@@ -1956,7 +1957,7 @@
           <a:p>
             <a:fld id="{524860CF-4B10-4A83-B232-3237D9822D5C}" type="datetimeFigureOut">
               <a:rPr lang="ko-KR" altLang="en-US" smtClean="0"/>
-              <a:t>2021-01-21</a:t>
+              <a:t>2021-01-22</a:t>
             </a:fld>
             <a:endParaRPr lang="ko-KR" altLang="en-US"/>
           </a:p>
@@ -2069,7 +2070,7 @@
           <a:p>
             <a:fld id="{524860CF-4B10-4A83-B232-3237D9822D5C}" type="datetimeFigureOut">
               <a:rPr lang="ko-KR" altLang="en-US" smtClean="0"/>
-              <a:t>2021-01-21</a:t>
+              <a:t>2021-01-22</a:t>
             </a:fld>
             <a:endParaRPr lang="ko-KR" altLang="en-US"/>
           </a:p>
@@ -2380,7 +2381,7 @@
           <a:p>
             <a:fld id="{524860CF-4B10-4A83-B232-3237D9822D5C}" type="datetimeFigureOut">
               <a:rPr lang="ko-KR" altLang="en-US" smtClean="0"/>
-              <a:t>2021-01-21</a:t>
+              <a:t>2021-01-22</a:t>
             </a:fld>
             <a:endParaRPr lang="ko-KR" altLang="en-US"/>
           </a:p>
@@ -2668,7 +2669,7 @@
           <a:p>
             <a:fld id="{524860CF-4B10-4A83-B232-3237D9822D5C}" type="datetimeFigureOut">
               <a:rPr lang="ko-KR" altLang="en-US" smtClean="0"/>
-              <a:t>2021-01-21</a:t>
+              <a:t>2021-01-22</a:t>
             </a:fld>
             <a:endParaRPr lang="ko-KR" altLang="en-US"/>
           </a:p>
@@ -2909,7 +2910,7 @@
           <a:p>
             <a:fld id="{524860CF-4B10-4A83-B232-3237D9822D5C}" type="datetimeFigureOut">
               <a:rPr lang="ko-KR" altLang="en-US" smtClean="0"/>
-              <a:t>2021-01-21</a:t>
+              <a:t>2021-01-22</a:t>
             </a:fld>
             <a:endParaRPr lang="ko-KR" altLang="en-US"/>
           </a:p>
@@ -3584,6 +3585,95 @@
 </p:sld>
 </file>
 
+<file path=ppt/slides/slide2.xml><?xml version="1.0" encoding="utf-8"?>
+<p:sld xmlns:a="http://schemas.openxmlformats.org/drawingml/2006/main" xmlns:r="http://schemas.openxmlformats.org/officeDocument/2006/relationships" xmlns:p="http://schemas.openxmlformats.org/presentationml/2006/main">
+  <p:cSld>
+    <p:spTree>
+      <p:nvGrpSpPr>
+        <p:cNvPr id="1" name=""/>
+        <p:cNvGrpSpPr/>
+        <p:nvPr/>
+      </p:nvGrpSpPr>
+      <p:grpSpPr>
+        <a:xfrm>
+          <a:off x="0" y="0"/>
+          <a:ext cx="0" cy="0"/>
+          <a:chOff x="0" y="0"/>
+          <a:chExt cx="0" cy="0"/>
+        </a:xfrm>
+      </p:grpSpPr>
+      <p:sp>
+        <p:nvSpPr>
+          <p:cNvPr id="3" name="TextBox 2">
+            <a:extLst>
+              <a:ext uri="{FF2B5EF4-FFF2-40B4-BE49-F238E27FC236}">
+                <a16:creationId xmlns:a16="http://schemas.microsoft.com/office/drawing/2014/main" id="{7811828F-11CD-4946-B308-D16C99BEE8C1}"/>
+              </a:ext>
+            </a:extLst>
+          </p:cNvPr>
+          <p:cNvSpPr txBox="1"/>
+          <p:nvPr/>
+        </p:nvSpPr>
+        <p:spPr>
+          <a:xfrm>
+            <a:off x="1102659" y="814899"/>
+            <a:ext cx="6096000" cy="1200329"/>
+          </a:xfrm>
+          <a:prstGeom prst="rect">
+            <a:avLst/>
+          </a:prstGeom>
+          <a:noFill/>
+        </p:spPr>
+        <p:txBody>
+          <a:bodyPr wrap="square">
+            <a:spAutoFit/>
+          </a:bodyPr>
+          <a:lstStyle/>
+          <a:p>
+            <a:r>
+              <a:rPr lang="ko-KR" altLang="en-US" dirty="0">
+                <a:hlinkClick r:id="rId2"/>
+              </a:rPr>
+              <a:t>https://binarynum.tistory.com/2</a:t>
+            </a:r>
+            <a:endParaRPr lang="en-US" altLang="ko-KR" dirty="0"/>
+          </a:p>
+          <a:p>
+            <a:r>
+              <a:rPr lang="en-US" altLang="ko-KR" dirty="0">
+                <a:hlinkClick r:id="rId3"/>
+              </a:rPr>
+              <a:t>https://riucc.tistory.com/617</a:t>
+            </a:r>
+            <a:endParaRPr lang="en-US" altLang="ko-KR" dirty="0"/>
+          </a:p>
+          <a:p>
+            <a:r>
+              <a:rPr lang="en-US" altLang="ko-KR" dirty="0">
+                <a:hlinkClick r:id="rId4"/>
+              </a:rPr>
+              <a:t>https://serge.tistory.com/69</a:t>
+            </a:r>
+            <a:endParaRPr lang="en-US" altLang="ko-KR" dirty="0"/>
+          </a:p>
+          <a:p>
+            <a:endParaRPr lang="ko-KR" altLang="en-US" dirty="0"/>
+          </a:p>
+        </p:txBody>
+      </p:sp>
+    </p:spTree>
+    <p:extLst>
+      <p:ext uri="{BB962C8B-B14F-4D97-AF65-F5344CB8AC3E}">
+        <p14:creationId xmlns:p14="http://schemas.microsoft.com/office/powerpoint/2010/main" val="2324578922"/>
+      </p:ext>
+    </p:extLst>
+  </p:cSld>
+  <p:clrMapOvr>
+    <a:masterClrMapping/>
+  </p:clrMapOvr>
+</p:sld>
+</file>
+
 <file path=ppt/theme/theme1.xml><?xml version="1.0" encoding="utf-8"?>
 <a:theme xmlns:a="http://schemas.openxmlformats.org/drawingml/2006/main" name="Office 테마">
   <a:themeElements>
